--- a/Slides/00-Preclass-loop.pptx
+++ b/Slides/00-Preclass-loop.pptx
@@ -5,12 +5,11 @@
     <p:sldMasterId id="2147483648" r:id="rId1"/>
   </p:sldMasterIdLst>
   <p:notesMasterIdLst>
-    <p:notesMasterId r:id="rId5"/>
+    <p:notesMasterId r:id="rId4"/>
   </p:notesMasterIdLst>
   <p:sldIdLst>
     <p:sldId id="259" r:id="rId2"/>
-    <p:sldId id="256" r:id="rId3"/>
-    <p:sldId id="260" r:id="rId4"/>
+    <p:sldId id="260" r:id="rId3"/>
   </p:sldIdLst>
   <p:sldSz cx="24384000" cy="13716000"/>
   <p:notesSz cx="6858000" cy="9144000"/>
@@ -312,6 +311,11 @@
       </a:defRPr>
     </a:lvl9pPr>
   </p:defaultTextStyle>
+  <p:extLst>
+    <p:ext uri="{EFAFB233-063F-42B5-8137-9DF3F51BA10A}">
+      <p15:sldGuideLst xmlns:p15="http://schemas.microsoft.com/office/powerpoint/2012/main"/>
+    </p:ext>
+  </p:extLst>
 </p:presentation>
 </file>
 
@@ -901,7 +905,7 @@
           </a:ln>
           <a:extLst>
             <a:ext uri="{C572A759-6A51-4108-AA02-DFA0A04FC94B}">
-              <ma14:wrappingTextBoxFlag xmlns:ma14="http://schemas.microsoft.com/office/mac/drawingml/2011/main" xmlns:a14="http://schemas.microsoft.com/office/drawing/2010/main" xmlns:m="http://schemas.openxmlformats.org/officeDocument/2006/math" xmlns="" val="1"/>
+              <ma14:wrappingTextBoxFlag xmlns="" xmlns:m="http://schemas.openxmlformats.org/officeDocument/2006/math" xmlns:a14="http://schemas.microsoft.com/office/drawing/2010/main" xmlns:ma14="http://schemas.microsoft.com/office/mac/drawingml/2011/main" val="1"/>
             </a:ext>
           </a:extLst>
         </p:spPr>
@@ -943,7 +947,7 @@
           </a:ln>
           <a:extLst>
             <a:ext uri="{C572A759-6A51-4108-AA02-DFA0A04FC94B}">
-              <ma14:wrappingTextBoxFlag xmlns:ma14="http://schemas.microsoft.com/office/mac/drawingml/2011/main" xmlns:a14="http://schemas.microsoft.com/office/drawing/2010/main" xmlns:m="http://schemas.openxmlformats.org/officeDocument/2006/math" xmlns="" val="1"/>
+              <ma14:wrappingTextBoxFlag xmlns="" xmlns:m="http://schemas.openxmlformats.org/officeDocument/2006/math" xmlns:a14="http://schemas.microsoft.com/office/drawing/2010/main" xmlns:ma14="http://schemas.microsoft.com/office/mac/drawingml/2011/main" val="1"/>
             </a:ext>
           </a:extLst>
         </p:spPr>
@@ -1044,7 +1048,7 @@
           </a:ln>
           <a:extLst>
             <a:ext uri="{C572A759-6A51-4108-AA02-DFA0A04FC94B}">
-              <ma14:wrappingTextBoxFlag xmlns:ma14="http://schemas.microsoft.com/office/mac/drawingml/2011/main" xmlns:a14="http://schemas.microsoft.com/office/drawing/2010/main" xmlns:m="http://schemas.openxmlformats.org/officeDocument/2006/math" xmlns="" val="1"/>
+              <ma14:wrappingTextBoxFlag xmlns="" xmlns:m="http://schemas.openxmlformats.org/officeDocument/2006/math" xmlns:a14="http://schemas.microsoft.com/office/drawing/2010/main" xmlns:ma14="http://schemas.microsoft.com/office/mac/drawingml/2011/main" val="1"/>
             </a:ext>
           </a:extLst>
         </p:spPr>
@@ -1083,7 +1087,7 @@
           </a:ln>
           <a:extLst>
             <a:ext uri="{C572A759-6A51-4108-AA02-DFA0A04FC94B}">
-              <ma14:wrappingTextBoxFlag xmlns:ma14="http://schemas.microsoft.com/office/mac/drawingml/2011/main" xmlns:a14="http://schemas.microsoft.com/office/drawing/2010/main" xmlns:m="http://schemas.openxmlformats.org/officeDocument/2006/math" xmlns="" val="1"/>
+              <ma14:wrappingTextBoxFlag xmlns="" xmlns:m="http://schemas.openxmlformats.org/officeDocument/2006/math" xmlns:a14="http://schemas.microsoft.com/office/drawing/2010/main" xmlns:ma14="http://schemas.microsoft.com/office/mac/drawingml/2011/main" val="1"/>
             </a:ext>
           </a:extLst>
         </p:spPr>
@@ -2269,235 +2273,6 @@
           <a:chExt cx="0" cy="0"/>
         </a:xfrm>
       </p:grpSpPr>
-      <p:pic>
-        <p:nvPicPr>
-          <p:cNvPr id="3" name="Picture 2" descr="A picture containing table, food, indoor, vegetable&#10;&#10;Description automatically generated">
-            <a:extLst>
-              <a:ext uri="{FF2B5EF4-FFF2-40B4-BE49-F238E27FC236}">
-                <a16:creationId xmlns:a16="http://schemas.microsoft.com/office/drawing/2014/main" id="{7A7041E7-502C-41B6-A77F-3C973E552E7B}"/>
-              </a:ext>
-            </a:extLst>
-          </p:cNvPr>
-          <p:cNvPicPr>
-            <a:picLocks noChangeAspect="1"/>
-          </p:cNvPicPr>
-          <p:nvPr/>
-        </p:nvPicPr>
-        <p:blipFill>
-          <a:blip r:embed="rId2">
-            <a:extLst>
-              <a:ext uri="{28A0092B-C50C-407E-A947-70E740481C1C}">
-                <a14:useLocalDpi xmlns:a14="http://schemas.microsoft.com/office/drawing/2010/main" val="0"/>
-              </a:ext>
-            </a:extLst>
-          </a:blip>
-          <a:stretch>
-            <a:fillRect/>
-          </a:stretch>
-        </p:blipFill>
-        <p:spPr>
-          <a:xfrm>
-            <a:off x="681" y="0"/>
-            <a:ext cx="24408890" cy="16234454"/>
-          </a:xfrm>
-          <a:prstGeom prst="rect">
-            <a:avLst/>
-          </a:prstGeom>
-        </p:spPr>
-      </p:pic>
-      <p:sp>
-        <p:nvSpPr>
-          <p:cNvPr id="4" name="TextBox 3">
-            <a:extLst>
-              <a:ext uri="{FF2B5EF4-FFF2-40B4-BE49-F238E27FC236}">
-                <a16:creationId xmlns:a16="http://schemas.microsoft.com/office/drawing/2014/main" id="{89FE50A6-840F-4316-B746-00C349D89300}"/>
-              </a:ext>
-            </a:extLst>
-          </p:cNvPr>
-          <p:cNvSpPr txBox="1"/>
-          <p:nvPr/>
-        </p:nvSpPr>
-        <p:spPr>
-          <a:xfrm>
-            <a:off x="332509" y="575087"/>
-            <a:ext cx="12502342" cy="2821925"/>
-          </a:xfrm>
-          <a:prstGeom prst="rect">
-            <a:avLst/>
-          </a:prstGeom>
-          <a:solidFill>
-            <a:srgbClr val="FFFFFF">
-              <a:alpha val="50196"/>
-            </a:srgbClr>
-          </a:solidFill>
-          <a:ln w="12700" cap="flat">
-            <a:noFill/>
-            <a:miter lim="400000"/>
-          </a:ln>
-          <a:effectLst/>
-          <a:sp3d/>
-        </p:spPr>
-        <p:style>
-          <a:lnRef idx="0">
-            <a:scrgbClr r="0" g="0" b="0"/>
-          </a:lnRef>
-          <a:fillRef idx="0">
-            <a:scrgbClr r="0" g="0" b="0"/>
-          </a:fillRef>
-          <a:effectRef idx="0">
-            <a:scrgbClr r="0" g="0" b="0"/>
-          </a:effectRef>
-          <a:fontRef idx="none"/>
-        </p:style>
-        <p:txBody>
-          <a:bodyPr rot="0" spcFirstLastPara="1" vertOverflow="overflow" horzOverflow="overflow" vert="horz" wrap="square" lIns="71437" tIns="71437" rIns="71437" bIns="71437" numCol="1" spcCol="38100" rtlCol="0" anchor="ctr">
-            <a:spAutoFit/>
-          </a:bodyPr>
-          <a:lstStyle/>
-          <a:p>
-            <a:pPr marL="0" marR="0" indent="0" algn="ctr" defTabSz="584200" rtl="0" fontAlgn="auto" latinLnBrk="0" hangingPunct="0">
-              <a:lnSpc>
-                <a:spcPct val="100000"/>
-              </a:lnSpc>
-              <a:spcBef>
-                <a:spcPts val="0"/>
-              </a:spcBef>
-              <a:spcAft>
-                <a:spcPts val="0"/>
-              </a:spcAft>
-              <a:buClrTx/>
-              <a:buSzTx/>
-              <a:buFontTx/>
-              <a:buNone/>
-              <a:tabLst/>
-            </a:pPr>
-            <a:r>
-              <a:rPr kumimoji="0" lang="en-US" sz="5800" b="1" i="0" u="none" strike="noStrike" cap="none" spc="0" normalizeH="0" baseline="0" dirty="0">
-                <a:ln>
-                  <a:noFill/>
-                </a:ln>
-                <a:solidFill>
-                  <a:srgbClr val="000000"/>
-                </a:solidFill>
-                <a:effectLst/>
-                <a:uFillTx/>
-                <a:latin typeface="Gill Sans"/>
-                <a:ea typeface="Gill Sans"/>
-                <a:cs typeface="Gill Sans"/>
-                <a:sym typeface="Gill Sans"/>
-              </a:rPr>
-              <a:t>Warm-up discussion: </a:t>
-            </a:r>
-            <a:br>
-              <a:rPr kumimoji="0" lang="en-US" sz="5800" b="1" i="0" u="none" strike="noStrike" cap="none" spc="0" normalizeH="0" baseline="0" dirty="0">
-                <a:ln>
-                  <a:noFill/>
-                </a:ln>
-                <a:solidFill>
-                  <a:srgbClr val="000000"/>
-                </a:solidFill>
-                <a:effectLst/>
-                <a:uFillTx/>
-                <a:latin typeface="Gill Sans"/>
-                <a:ea typeface="Gill Sans"/>
-                <a:cs typeface="Gill Sans"/>
-                <a:sym typeface="Gill Sans"/>
-              </a:rPr>
-            </a:br>
-            <a:r>
-              <a:rPr kumimoji="0" lang="en-US" sz="5800" b="1" i="0" u="none" strike="noStrike" cap="none" spc="0" normalizeH="0" baseline="0" dirty="0">
-                <a:ln>
-                  <a:noFill/>
-                </a:ln>
-                <a:solidFill>
-                  <a:srgbClr val="000000"/>
-                </a:solidFill>
-                <a:effectLst/>
-                <a:uFillTx/>
-                <a:latin typeface="Gill Sans"/>
-                <a:ea typeface="Gill Sans"/>
-                <a:cs typeface="Gill Sans"/>
-                <a:sym typeface="Gill Sans"/>
-              </a:rPr>
-              <a:t>If </a:t>
-            </a:r>
-            <a:r>
-              <a:rPr kumimoji="0" lang="en-US" sz="5800" b="1" i="0" u="none" strike="noStrike" cap="none" spc="0" normalizeH="0" baseline="0" dirty="0">
-                <a:ln>
-                  <a:noFill/>
-                </a:ln>
-                <a:solidFill>
-                  <a:schemeClr val="accent6"/>
-                </a:solidFill>
-                <a:effectLst/>
-                <a:uFillTx/>
-                <a:latin typeface="Gill Sans"/>
-                <a:ea typeface="Gill Sans"/>
-                <a:cs typeface="Gill Sans"/>
-                <a:sym typeface="Gill Sans"/>
-              </a:rPr>
-              <a:t>data analysis </a:t>
-            </a:r>
-            <a:r>
-              <a:rPr kumimoji="0" lang="en-US" sz="5800" b="1" i="0" u="none" strike="noStrike" cap="none" spc="0" normalizeH="0" baseline="0" dirty="0">
-                <a:ln>
-                  <a:noFill/>
-                </a:ln>
-                <a:solidFill>
-                  <a:srgbClr val="000000"/>
-                </a:solidFill>
-                <a:effectLst/>
-                <a:uFillTx/>
-                <a:latin typeface="Gill Sans"/>
-                <a:ea typeface="Gill Sans"/>
-                <a:cs typeface="Gill Sans"/>
-                <a:sym typeface="Gill Sans"/>
-              </a:rPr>
-              <a:t>was a household task, what would it be?</a:t>
-            </a:r>
-            <a:endParaRPr kumimoji="0" lang="en-GB" sz="5800" b="1" i="0" u="none" strike="noStrike" cap="none" spc="0" normalizeH="0" baseline="0" dirty="0">
-              <a:ln>
-                <a:noFill/>
-              </a:ln>
-              <a:solidFill>
-                <a:srgbClr val="000000"/>
-              </a:solidFill>
-              <a:effectLst/>
-              <a:uFillTx/>
-              <a:latin typeface="Gill Sans"/>
-              <a:ea typeface="Gill Sans"/>
-              <a:cs typeface="Gill Sans"/>
-              <a:sym typeface="Gill Sans"/>
-            </a:endParaRPr>
-          </a:p>
-        </p:txBody>
-      </p:sp>
-    </p:spTree>
-  </p:cSld>
-  <p:clrMapOvr>
-    <a:masterClrMapping/>
-  </p:clrMapOvr>
-  <p:transition spd="med" advClick="0" advTm="10000"/>
-</p:sld>
-</file>
-
-<file path=ppt/slides/slide3.xml><?xml version="1.0" encoding="utf-8"?>
-<p:sld xmlns:a="http://schemas.openxmlformats.org/drawingml/2006/main" xmlns:r="http://schemas.openxmlformats.org/officeDocument/2006/relationships" xmlns:p="http://schemas.openxmlformats.org/presentationml/2006/main">
-  <p:cSld>
-    <p:spTree>
-      <p:nvGrpSpPr>
-        <p:cNvPr id="1" name=""/>
-        <p:cNvGrpSpPr/>
-        <p:nvPr/>
-      </p:nvGrpSpPr>
-      <p:grpSpPr>
-        <a:xfrm>
-          <a:off x="0" y="0"/>
-          <a:ext cx="0" cy="0"/>
-          <a:chOff x="0" y="0"/>
-          <a:chExt cx="0" cy="0"/>
-        </a:xfrm>
-      </p:grpSpPr>
       <p:sp>
         <p:nvSpPr>
           <p:cNvPr id="2" name="TextBox 1">
